--- a/IROS17/pictures/pdf/graphrobo.pptx
+++ b/IROS17/pictures/pdf/graphrobo.pptx
@@ -238,7 +238,7 @@
           <a:p>
             <a:fld id="{03D963E1-039C-4781-AB6D-4A838932A1E4}" type="datetimeFigureOut">
               <a:rPr lang="en-US" smtClean="0"/>
-              <a:t>12/7/16</a:t>
+              <a:t>3/2/17</a:t>
             </a:fld>
             <a:endParaRPr lang="en-US"/>
           </a:p>
@@ -408,7 +408,7 @@
           <a:p>
             <a:fld id="{03D963E1-039C-4781-AB6D-4A838932A1E4}" type="datetimeFigureOut">
               <a:rPr lang="en-US" smtClean="0"/>
-              <a:t>12/7/16</a:t>
+              <a:t>3/2/17</a:t>
             </a:fld>
             <a:endParaRPr lang="en-US"/>
           </a:p>
@@ -588,7 +588,7 @@
           <a:p>
             <a:fld id="{03D963E1-039C-4781-AB6D-4A838932A1E4}" type="datetimeFigureOut">
               <a:rPr lang="en-US" smtClean="0"/>
-              <a:t>12/7/16</a:t>
+              <a:t>3/2/17</a:t>
             </a:fld>
             <a:endParaRPr lang="en-US"/>
           </a:p>
@@ -758,7 +758,7 @@
           <a:p>
             <a:fld id="{03D963E1-039C-4781-AB6D-4A838932A1E4}" type="datetimeFigureOut">
               <a:rPr lang="en-US" smtClean="0"/>
-              <a:t>12/7/16</a:t>
+              <a:t>3/2/17</a:t>
             </a:fld>
             <a:endParaRPr lang="en-US"/>
           </a:p>
@@ -1004,7 +1004,7 @@
           <a:p>
             <a:fld id="{03D963E1-039C-4781-AB6D-4A838932A1E4}" type="datetimeFigureOut">
               <a:rPr lang="en-US" smtClean="0"/>
-              <a:t>12/7/16</a:t>
+              <a:t>3/2/17</a:t>
             </a:fld>
             <a:endParaRPr lang="en-US"/>
           </a:p>
@@ -1236,7 +1236,7 @@
           <a:p>
             <a:fld id="{03D963E1-039C-4781-AB6D-4A838932A1E4}" type="datetimeFigureOut">
               <a:rPr lang="en-US" smtClean="0"/>
-              <a:t>12/7/16</a:t>
+              <a:t>3/2/17</a:t>
             </a:fld>
             <a:endParaRPr lang="en-US"/>
           </a:p>
@@ -1603,7 +1603,7 @@
           <a:p>
             <a:fld id="{03D963E1-039C-4781-AB6D-4A838932A1E4}" type="datetimeFigureOut">
               <a:rPr lang="en-US" smtClean="0"/>
-              <a:t>12/7/16</a:t>
+              <a:t>3/2/17</a:t>
             </a:fld>
             <a:endParaRPr lang="en-US"/>
           </a:p>
@@ -1721,7 +1721,7 @@
           <a:p>
             <a:fld id="{03D963E1-039C-4781-AB6D-4A838932A1E4}" type="datetimeFigureOut">
               <a:rPr lang="en-US" smtClean="0"/>
-              <a:t>12/7/16</a:t>
+              <a:t>3/2/17</a:t>
             </a:fld>
             <a:endParaRPr lang="en-US"/>
           </a:p>
@@ -1816,7 +1816,7 @@
           <a:p>
             <a:fld id="{03D963E1-039C-4781-AB6D-4A838932A1E4}" type="datetimeFigureOut">
               <a:rPr lang="en-US" smtClean="0"/>
-              <a:t>12/7/16</a:t>
+              <a:t>3/2/17</a:t>
             </a:fld>
             <a:endParaRPr lang="en-US"/>
           </a:p>
@@ -2093,7 +2093,7 @@
           <a:p>
             <a:fld id="{03D963E1-039C-4781-AB6D-4A838932A1E4}" type="datetimeFigureOut">
               <a:rPr lang="en-US" smtClean="0"/>
-              <a:t>12/7/16</a:t>
+              <a:t>3/2/17</a:t>
             </a:fld>
             <a:endParaRPr lang="en-US"/>
           </a:p>
@@ -2346,7 +2346,7 @@
           <a:p>
             <a:fld id="{03D963E1-039C-4781-AB6D-4A838932A1E4}" type="datetimeFigureOut">
               <a:rPr lang="en-US" smtClean="0"/>
-              <a:t>12/7/16</a:t>
+              <a:t>3/2/17</a:t>
             </a:fld>
             <a:endParaRPr lang="en-US"/>
           </a:p>
@@ -2559,7 +2559,7 @@
           <a:p>
             <a:fld id="{03D963E1-039C-4781-AB6D-4A838932A1E4}" type="datetimeFigureOut">
               <a:rPr lang="en-US" smtClean="0"/>
-              <a:t>12/7/16</a:t>
+              <a:t>3/2/17</a:t>
             </a:fld>
             <a:endParaRPr lang="en-US"/>
           </a:p>
@@ -3630,7 +3630,7 @@
             </a:avLst>
           </a:prstGeom>
           <a:solidFill>
-            <a:srgbClr val="FC028B"/>
+            <a:srgbClr val="8B0102"/>
           </a:solidFill>
           <a:ln>
             <a:noFill/>
@@ -3681,7 +3681,7 @@
             </a:avLst>
           </a:prstGeom>
           <a:solidFill>
-            <a:srgbClr val="FC028B"/>
+            <a:srgbClr val="8B0102"/>
           </a:solidFill>
           <a:ln>
             <a:noFill/>
